--- a/論文紹介テンプレート_ダイジェスト版.pptx
+++ b/論文紹介テンプレート_ダイジェスト版.pptx
@@ -212,7 +212,7 @@
           <a:p>
             <a:fld id="{DA2E773F-8175-FB43-89E7-ED77506F04F6}" type="datetimeFigureOut">
               <a:rPr kumimoji="1" lang="ja-JP" altLang="en-US" smtClean="0"/>
-              <a:t>2024/5/1</a:t>
+              <a:t>2024/5/16</a:t>
             </a:fld>
             <a:endParaRPr kumimoji="1" lang="ja-JP" altLang="en-US"/>
           </a:p>
@@ -2802,7 +2802,7 @@
           <a:p>
             <a:fld id="{C92DE795-9266-D64D-9C29-2CBA3E572420}" type="datetime1">
               <a:rPr kumimoji="1" lang="ja-JP" altLang="en-US" smtClean="0"/>
-              <a:t>2024/5/1</a:t>
+              <a:t>2024/5/16</a:t>
             </a:fld>
             <a:endParaRPr kumimoji="1" lang="ja-JP" altLang="en-US"/>
           </a:p>
@@ -3224,8 +3224,8 @@
         </p:nvSpPr>
         <p:spPr>
           <a:xfrm>
-            <a:off x="185057" y="108856"/>
-            <a:ext cx="9391430" cy="338554"/>
+            <a:off x="0" y="63148"/>
+            <a:ext cx="12192000" cy="307777"/>
           </a:xfrm>
           <a:prstGeom prst="rect">
             <a:avLst/>
@@ -3239,66 +3239,66 @@
           <a:lstStyle/>
           <a:p>
             <a:r>
-              <a:rPr lang="ja-JP" altLang="en-US" sz="1600"/>
+              <a:rPr lang="ja-JP" altLang="en-US" sz="1400"/>
               <a:t>著者名</a:t>
             </a:r>
             <a:r>
-              <a:rPr lang="en-US" altLang="ja-JP" sz="1600" dirty="0"/>
+              <a:rPr lang="en-US" altLang="ja-JP" sz="1400" dirty="0"/>
               <a:t>, ”</a:t>
             </a:r>
             <a:r>
-              <a:rPr lang="ja-JP" altLang="en-US" sz="1600"/>
+              <a:rPr lang="ja-JP" altLang="en-US" sz="1400"/>
               <a:t>論文タイトル</a:t>
             </a:r>
             <a:r>
-              <a:rPr lang="en-US" altLang="ja-JP" sz="1600" dirty="0"/>
+              <a:rPr lang="en-US" altLang="ja-JP" sz="1400" dirty="0"/>
               <a:t>”, </a:t>
             </a:r>
             <a:r>
-              <a:rPr lang="ja-JP" altLang="en-US" sz="1600" i="1"/>
+              <a:rPr lang="ja-JP" altLang="en-US" sz="1400" i="1"/>
               <a:t>雑誌名</a:t>
             </a:r>
             <a:r>
-              <a:rPr lang="en-US" altLang="ja-JP" sz="1600" i="1" dirty="0"/>
+              <a:rPr lang="en-US" altLang="ja-JP" sz="1400" i="1" dirty="0"/>
               <a:t> (</a:t>
             </a:r>
             <a:r>
-              <a:rPr lang="ja-JP" altLang="en-US" sz="1600" i="1"/>
+              <a:rPr lang="ja-JP" altLang="en-US" sz="1400" i="1"/>
               <a:t>イタリック、省略形で</a:t>
             </a:r>
             <a:r>
-              <a:rPr lang="en-US" altLang="ja-JP" sz="1600" i="1" dirty="0"/>
+              <a:rPr lang="en-US" altLang="ja-JP" sz="1400" i="1" dirty="0"/>
               <a:t>)</a:t>
             </a:r>
             <a:r>
-              <a:rPr lang="en-US" altLang="ja-JP" sz="1600" dirty="0"/>
+              <a:rPr lang="en-US" altLang="ja-JP" sz="1400" dirty="0"/>
               <a:t>, </a:t>
             </a:r>
             <a:r>
-              <a:rPr lang="en-US" altLang="ja-JP" sz="1600" b="1" dirty="0"/>
+              <a:rPr lang="en-US" altLang="ja-JP" sz="1400" b="1" dirty="0"/>
               <a:t>Volume (</a:t>
             </a:r>
             <a:r>
-              <a:rPr lang="ja-JP" altLang="en-US" sz="1600" b="1"/>
+              <a:rPr lang="ja-JP" altLang="en-US" sz="1400" b="1"/>
               <a:t>太文字</a:t>
             </a:r>
             <a:r>
-              <a:rPr lang="en-US" altLang="ja-JP" sz="1600" b="1" dirty="0"/>
+              <a:rPr lang="en-US" altLang="ja-JP" sz="1400" b="1" dirty="0"/>
               <a:t>)</a:t>
             </a:r>
             <a:r>
-              <a:rPr lang="en-US" altLang="ja-JP" sz="1600" dirty="0"/>
+              <a:rPr lang="en-US" altLang="ja-JP" sz="1400" dirty="0"/>
               <a:t>, page-page (</a:t>
             </a:r>
             <a:r>
-              <a:rPr lang="ja-JP" altLang="en-US" sz="1600"/>
+              <a:rPr lang="ja-JP" altLang="en-US" sz="1400"/>
               <a:t>出版年</a:t>
             </a:r>
             <a:r>
-              <a:rPr lang="en-US" altLang="ja-JP" sz="1600" dirty="0"/>
+              <a:rPr lang="en-US" altLang="ja-JP" sz="1400" dirty="0"/>
               <a:t>)</a:t>
             </a:r>
-            <a:endParaRPr kumimoji="1" lang="ja-JP" altLang="en-US" sz="1600"/>
+            <a:endParaRPr kumimoji="1" lang="ja-JP" altLang="en-US" sz="1400"/>
           </a:p>
         </p:txBody>
       </p:sp>
@@ -3316,7 +3316,7 @@
         </p:nvSpPr>
         <p:spPr>
           <a:xfrm>
-            <a:off x="3681284" y="1309589"/>
+            <a:off x="436603" y="1294200"/>
             <a:ext cx="5236029" cy="369332"/>
           </a:xfrm>
           <a:prstGeom prst="rect">
@@ -3336,7 +3336,7 @@
             </a:r>
             <a:r>
               <a:rPr lang="en-US" altLang="ja-JP" dirty="0"/>
-              <a:t> (</a:t>
+              <a:t>1 (</a:t>
             </a:r>
             <a:r>
               <a:rPr lang="ja-JP" altLang="en-US"/>
@@ -3393,7 +3393,7 @@
           <a:p>
             <a:r>
               <a:rPr lang="ja-JP" altLang="en-US" sz="1600" b="1"/>
-              <a:t>どんなもの？</a:t>
+              <a:t>どんなもの？もしくはどんな発見？</a:t>
             </a:r>
             <a:endParaRPr lang="en-US" altLang="ja-JP" sz="1600" b="1" dirty="0"/>
           </a:p>
@@ -3466,7 +3466,7 @@
           <a:p>
             <a:r>
               <a:rPr lang="ja-JP" altLang="en-US" sz="1600" b="1"/>
-              <a:t>先行研究と比べてどこがすごい？</a:t>
+              <a:t>先行研究と比べて結果のどこがすごい？</a:t>
             </a:r>
             <a:endParaRPr lang="en-US" altLang="ja-JP" sz="1600" b="1" dirty="0"/>
           </a:p>
@@ -3726,7 +3726,7 @@
           <a:p>
             <a:r>
               <a:rPr lang="ja-JP" altLang="en-US" sz="1600" b="1"/>
-              <a:t>次に読むべき論文は？</a:t>
+              <a:t>なぜこの論文を選んだ？次に読むべき論文は？</a:t>
             </a:r>
             <a:endParaRPr lang="en-US" altLang="ja-JP" sz="1600" b="1" dirty="0"/>
           </a:p>
@@ -3745,6 +3745,54 @@
           </a:p>
           <a:p>
             <a:endParaRPr lang="en-US" altLang="ja-JP" sz="1600" dirty="0"/>
+          </a:p>
+        </p:txBody>
+      </p:sp>
+      <p:sp>
+        <p:nvSpPr>
+          <p:cNvPr id="2" name="テキスト ボックス 1">
+            <a:extLst>
+              <a:ext uri="{FF2B5EF4-FFF2-40B4-BE49-F238E27FC236}">
+                <a16:creationId xmlns:a16="http://schemas.microsoft.com/office/drawing/2014/main" id="{6CC534C4-0BA6-7A5A-BA2B-9789B8BF4974}"/>
+              </a:ext>
+            </a:extLst>
+          </p:cNvPr>
+          <p:cNvSpPr txBox="1"/>
+          <p:nvPr/>
+        </p:nvSpPr>
+        <p:spPr>
+          <a:xfrm>
+            <a:off x="6477000" y="1294200"/>
+            <a:ext cx="5236029" cy="369332"/>
+          </a:xfrm>
+          <a:prstGeom prst="rect">
+            <a:avLst/>
+          </a:prstGeom>
+          <a:noFill/>
+        </p:spPr>
+        <p:txBody>
+          <a:bodyPr wrap="square" rtlCol="0">
+            <a:spAutoFit/>
+          </a:bodyPr>
+          <a:lstStyle/>
+          <a:p>
+            <a:r>
+              <a:rPr lang="ja-JP" altLang="en-US"/>
+              <a:t>論文の主要な図</a:t>
+            </a:r>
+            <a:r>
+              <a:rPr lang="en-US" altLang="ja-JP" dirty="0"/>
+              <a:t>2(</a:t>
+            </a:r>
+            <a:r>
+              <a:rPr lang="ja-JP" altLang="en-US"/>
+              <a:t>メソッドの図や結果の図</a:t>
+            </a:r>
+            <a:r>
+              <a:rPr lang="en-US" altLang="ja-JP" dirty="0"/>
+              <a:t>)</a:t>
+            </a:r>
+            <a:endParaRPr kumimoji="1" lang="ja-JP" altLang="en-US"/>
           </a:p>
         </p:txBody>
       </p:sp>
@@ -4258,6 +4306,15 @@
 </file>
 
 <file path=customXml/item1.xml><?xml version="1.0" encoding="utf-8"?>
+<?mso-contentType ?>
+<FormTemplates xmlns="http://schemas.microsoft.com/sharepoint/v3/contenttype/forms">
+  <Display>DocumentLibraryForm</Display>
+  <Edit>DocumentLibraryForm</Edit>
+  <New>DocumentLibraryForm</New>
+</FormTemplates>
+</file>
+
+<file path=customXml/item2.xml><?xml version="1.0" encoding="utf-8"?>
 <ct:contentTypeSchema xmlns:ct="http://schemas.microsoft.com/office/2006/metadata/contentType" xmlns:ma="http://schemas.microsoft.com/office/2006/metadata/properties/metaAttributes" ct:_="" ma:_="" ma:contentTypeName="ドキュメント" ma:contentTypeID="0x0101003203812109988649908560152F41EA96" ma:contentTypeVersion="14" ma:contentTypeDescription="新しいドキュメントを作成します。" ma:contentTypeScope="" ma:versionID="cfed0265e5ab8ab296b496ee92aec9a2">
   <xsd:schema xmlns:xsd="http://www.w3.org/2001/XMLSchema" xmlns:xs="http://www.w3.org/2001/XMLSchema" xmlns:p="http://schemas.microsoft.com/office/2006/metadata/properties" xmlns:ns2="c5504273-a1d9-4d07-b707-55eeebbc1060" xmlns:ns3="88ebc585-e692-4c04-9bd6-1fae7c9c83be" targetNamespace="http://schemas.microsoft.com/office/2006/metadata/properties" ma:root="true" ma:fieldsID="622ae92f911966a228be1c0face41edc" ns2:_="" ns3:_="">
     <xsd:import namespace="c5504273-a1d9-4d07-b707-55eeebbc1060"/>
@@ -4486,16 +4543,15 @@
 </ct:contentTypeSchema>
 </file>
 
-<file path=customXml/item2.xml><?xml version="1.0" encoding="utf-8"?>
-<?mso-contentType ?>
-<FormTemplates xmlns="http://schemas.microsoft.com/sharepoint/v3/contenttype/forms">
-  <Display>DocumentLibraryForm</Display>
-  <Edit>DocumentLibraryForm</Edit>
-  <New>DocumentLibraryForm</New>
-</FormTemplates>
+<file path=customXml/itemProps1.xml><?xml version="1.0" encoding="utf-8"?>
+<ds:datastoreItem xmlns:ds="http://schemas.openxmlformats.org/officeDocument/2006/customXml" ds:itemID="{6748CB56-9F00-4CF6-8073-94DDB04B2E25}">
+  <ds:schemaRefs>
+    <ds:schemaRef ds:uri="http://schemas.microsoft.com/sharepoint/v3/contenttype/forms"/>
+  </ds:schemaRefs>
+</ds:datastoreItem>
 </file>
 
-<file path=customXml/itemProps1.xml><?xml version="1.0" encoding="utf-8"?>
+<file path=customXml/itemProps2.xml><?xml version="1.0" encoding="utf-8"?>
 <ds:datastoreItem xmlns:ds="http://schemas.openxmlformats.org/officeDocument/2006/customXml" ds:itemID="{8EACEC2D-1D44-45E2-8244-5BF6F76BBA3A}">
   <ds:schemaRefs>
     <ds:schemaRef ds:uri="http://schemas.microsoft.com/office/2006/metadata/contentType"/>
@@ -4512,12 +4568,4 @@
     <ds:schemaRef ds:uri="http://schemas.microsoft.com/internal/obd"/>
   </ds:schemaRefs>
 </ds:datastoreItem>
-</file>
-
-<file path=customXml/itemProps2.xml><?xml version="1.0" encoding="utf-8"?>
-<ds:datastoreItem xmlns:ds="http://schemas.openxmlformats.org/officeDocument/2006/customXml" ds:itemID="{6748CB56-9F00-4CF6-8073-94DDB04B2E25}">
-  <ds:schemaRefs>
-    <ds:schemaRef ds:uri="http://schemas.microsoft.com/sharepoint/v3/contenttype/forms"/>
-  </ds:schemaRefs>
-</ds:datastoreItem>
 </file>